--- a/Docs/ImagePresentation.pptx
+++ b/Docs/ImagePresentation.pptx
@@ -5,8 +5,8 @@
     <p:sldMasterId id="2147483690" r:id="rId1"/>
   </p:sldMasterIdLst>
   <p:sldIdLst>
-    <p:sldId id="260" r:id="rId2"/>
-    <p:sldId id="257" r:id="rId3"/>
+    <p:sldId id="257" r:id="rId2"/>
+    <p:sldId id="260" r:id="rId3"/>
     <p:sldId id="259" r:id="rId4"/>
   </p:sldIdLst>
   <p:sldSz cx="13011150" cy="7315200"/>
@@ -305,7 +305,7 @@
           <a:p>
             <a:fld id="{E1A07225-5EC2-4FE8-BBD7-4A2ABB88F5AE}" type="datetimeFigureOut">
               <a:rPr lang="de-DE" smtClean="0"/>
-              <a:t>29.05.2024</a:t>
+              <a:t>09.06.2025</a:t>
             </a:fld>
             <a:endParaRPr lang="de-DE" dirty="0"/>
           </a:p>
@@ -741,7 +741,7 @@
           <a:p>
             <a:fld id="{E1A07225-5EC2-4FE8-BBD7-4A2ABB88F5AE}" type="datetimeFigureOut">
               <a:rPr lang="de-DE" smtClean="0"/>
-              <a:t>29.05.2024</a:t>
+              <a:t>09.06.2025</a:t>
             </a:fld>
             <a:endParaRPr lang="de-DE" dirty="0"/>
           </a:p>
@@ -991,7 +991,7 @@
           <a:p>
             <a:fld id="{E1A07225-5EC2-4FE8-BBD7-4A2ABB88F5AE}" type="datetimeFigureOut">
               <a:rPr lang="de-DE" smtClean="0"/>
-              <a:t>29.05.2024</a:t>
+              <a:t>09.06.2025</a:t>
             </a:fld>
             <a:endParaRPr lang="de-DE" dirty="0"/>
           </a:p>
@@ -1299,7 +1299,7 @@
           <a:p>
             <a:fld id="{E1A07225-5EC2-4FE8-BBD7-4A2ABB88F5AE}" type="datetimeFigureOut">
               <a:rPr lang="de-DE" smtClean="0"/>
-              <a:t>29.05.2024</a:t>
+              <a:t>09.06.2025</a:t>
             </a:fld>
             <a:endParaRPr lang="de-DE" dirty="0"/>
           </a:p>
@@ -1617,7 +1617,7 @@
           <a:p>
             <a:fld id="{E1A07225-5EC2-4FE8-BBD7-4A2ABB88F5AE}" type="datetimeFigureOut">
               <a:rPr lang="de-DE" smtClean="0"/>
-              <a:t>29.05.2024</a:t>
+              <a:t>09.06.2025</a:t>
             </a:fld>
             <a:endParaRPr lang="de-DE" dirty="0"/>
           </a:p>
@@ -1919,7 +1919,7 @@
           <a:p>
             <a:fld id="{E1A07225-5EC2-4FE8-BBD7-4A2ABB88F5AE}" type="datetimeFigureOut">
               <a:rPr lang="de-DE" smtClean="0"/>
-              <a:t>29.05.2024</a:t>
+              <a:t>09.06.2025</a:t>
             </a:fld>
             <a:endParaRPr lang="de-DE" dirty="0"/>
           </a:p>
@@ -2286,7 +2286,7 @@
           <a:p>
             <a:fld id="{E1A07225-5EC2-4FE8-BBD7-4A2ABB88F5AE}" type="datetimeFigureOut">
               <a:rPr lang="de-DE" smtClean="0"/>
-              <a:t>29.05.2024</a:t>
+              <a:t>09.06.2025</a:t>
             </a:fld>
             <a:endParaRPr lang="de-DE" dirty="0"/>
           </a:p>
@@ -2460,7 +2460,7 @@
           <a:p>
             <a:fld id="{E1A07225-5EC2-4FE8-BBD7-4A2ABB88F5AE}" type="datetimeFigureOut">
               <a:rPr lang="de-DE" smtClean="0"/>
-              <a:t>29.05.2024</a:t>
+              <a:t>09.06.2025</a:t>
             </a:fld>
             <a:endParaRPr lang="de-DE" dirty="0"/>
           </a:p>
@@ -2640,7 +2640,7 @@
           <a:p>
             <a:fld id="{E1A07225-5EC2-4FE8-BBD7-4A2ABB88F5AE}" type="datetimeFigureOut">
               <a:rPr lang="de-DE" smtClean="0"/>
-              <a:t>29.05.2024</a:t>
+              <a:t>09.06.2025</a:t>
             </a:fld>
             <a:endParaRPr lang="de-DE" dirty="0"/>
           </a:p>
@@ -2810,7 +2810,7 @@
           <a:p>
             <a:fld id="{E1A07225-5EC2-4FE8-BBD7-4A2ABB88F5AE}" type="datetimeFigureOut">
               <a:rPr lang="de-DE" smtClean="0"/>
-              <a:t>29.05.2024</a:t>
+              <a:t>09.06.2025</a:t>
             </a:fld>
             <a:endParaRPr lang="de-DE" dirty="0"/>
           </a:p>
@@ -3060,7 +3060,7 @@
           <a:p>
             <a:fld id="{E1A07225-5EC2-4FE8-BBD7-4A2ABB88F5AE}" type="datetimeFigureOut">
               <a:rPr lang="de-DE" smtClean="0"/>
-              <a:t>29.05.2024</a:t>
+              <a:t>09.06.2025</a:t>
             </a:fld>
             <a:endParaRPr lang="de-DE" dirty="0"/>
           </a:p>
@@ -3296,7 +3296,7 @@
           <a:p>
             <a:fld id="{E1A07225-5EC2-4FE8-BBD7-4A2ABB88F5AE}" type="datetimeFigureOut">
               <a:rPr lang="de-DE" smtClean="0"/>
-              <a:t>29.05.2024</a:t>
+              <a:t>09.06.2025</a:t>
             </a:fld>
             <a:endParaRPr lang="de-DE" dirty="0"/>
           </a:p>
@@ -3678,7 +3678,7 @@
           <a:p>
             <a:fld id="{E1A07225-5EC2-4FE8-BBD7-4A2ABB88F5AE}" type="datetimeFigureOut">
               <a:rPr lang="de-DE" smtClean="0"/>
-              <a:t>29.05.2024</a:t>
+              <a:t>09.06.2025</a:t>
             </a:fld>
             <a:endParaRPr lang="de-DE" dirty="0"/>
           </a:p>
@@ -3796,7 +3796,7 @@
           <a:p>
             <a:fld id="{E1A07225-5EC2-4FE8-BBD7-4A2ABB88F5AE}" type="datetimeFigureOut">
               <a:rPr lang="de-DE" smtClean="0"/>
-              <a:t>29.05.2024</a:t>
+              <a:t>09.06.2025</a:t>
             </a:fld>
             <a:endParaRPr lang="de-DE" dirty="0"/>
           </a:p>
@@ -3891,7 +3891,7 @@
           <a:p>
             <a:fld id="{E1A07225-5EC2-4FE8-BBD7-4A2ABB88F5AE}" type="datetimeFigureOut">
               <a:rPr lang="de-DE" smtClean="0"/>
-              <a:t>29.05.2024</a:t>
+              <a:t>09.06.2025</a:t>
             </a:fld>
             <a:endParaRPr lang="de-DE" dirty="0"/>
           </a:p>
@@ -4146,7 +4146,7 @@
           <a:p>
             <a:fld id="{E1A07225-5EC2-4FE8-BBD7-4A2ABB88F5AE}" type="datetimeFigureOut">
               <a:rPr lang="de-DE" smtClean="0"/>
-              <a:t>29.05.2024</a:t>
+              <a:t>09.06.2025</a:t>
             </a:fld>
             <a:endParaRPr lang="de-DE" dirty="0"/>
           </a:p>
@@ -4429,7 +4429,7 @@
           <a:p>
             <a:fld id="{E1A07225-5EC2-4FE8-BBD7-4A2ABB88F5AE}" type="datetimeFigureOut">
               <a:rPr lang="de-DE" smtClean="0"/>
-              <a:t>29.05.2024</a:t>
+              <a:t>09.06.2025</a:t>
             </a:fld>
             <a:endParaRPr lang="de-DE" dirty="0"/>
           </a:p>
@@ -4835,7 +4835,7 @@
           <a:p>
             <a:fld id="{E1A07225-5EC2-4FE8-BBD7-4A2ABB88F5AE}" type="datetimeFigureOut">
               <a:rPr lang="de-DE" smtClean="0"/>
-              <a:t>29.05.2024</a:t>
+              <a:t>09.06.2025</a:t>
             </a:fld>
             <a:endParaRPr lang="de-DE" dirty="0"/>
           </a:p>
@@ -5385,7 +5385,7 @@
         <p:spPr>
           <a:xfrm>
             <a:off x="890863" y="701383"/>
-            <a:ext cx="4616970" cy="880241"/>
+            <a:ext cx="7414209" cy="880241"/>
           </a:xfrm>
           <a:prstGeom prst="rect">
             <a:avLst/>
@@ -5400,7 +5400,123 @@
           <a:p>
             <a:r>
               <a:rPr lang="de-DE" sz="5120" dirty="0"/>
-              <a:t>Mobile Image</a:t>
+              <a:t>Product landingscreen</a:t>
+            </a:r>
+          </a:p>
+        </p:txBody>
+      </p:sp>
+      <p:pic>
+        <p:nvPicPr>
+          <p:cNvPr id="10" name="Grafik 9">
+            <a:extLst>
+              <a:ext uri="{FF2B5EF4-FFF2-40B4-BE49-F238E27FC236}">
+                <a16:creationId xmlns:a16="http://schemas.microsoft.com/office/drawing/2014/main" id="{C69D2BB9-9902-4624-9AB6-6F45406EE7CE}"/>
+              </a:ext>
+            </a:extLst>
+          </p:cNvPr>
+          <p:cNvPicPr>
+            <a:picLocks noChangeAspect="1"/>
+          </p:cNvPicPr>
+          <p:nvPr/>
+        </p:nvPicPr>
+        <p:blipFill>
+          <a:blip r:embed="rId2">
+            <a:extLst>
+              <a:ext uri="{28A0092B-C50C-407E-A947-70E740481C1C}">
+                <a14:useLocalDpi xmlns:a14="http://schemas.microsoft.com/office/drawing/2010/main" val="0"/>
+              </a:ext>
+            </a:extLst>
+          </a:blip>
+          <a:srcRect t="316" b="32530"/>
+          <a:stretch/>
+        </p:blipFill>
+        <p:spPr>
+          <a:xfrm>
+            <a:off x="3085839" y="2369512"/>
+            <a:ext cx="5998397" cy="3427081"/>
+          </a:xfrm>
+          <a:prstGeom prst="round2DiagRect">
+            <a:avLst>
+              <a:gd name="adj1" fmla="val 16667"/>
+              <a:gd name="adj2" fmla="val 0"/>
+            </a:avLst>
+          </a:prstGeom>
+          <a:ln w="88900" cap="sq">
+            <a:solidFill>
+              <a:srgbClr val="FFFFFF"/>
+            </a:solidFill>
+            <a:miter lim="800000"/>
+          </a:ln>
+          <a:effectLst>
+            <a:outerShdw blurRad="254000" algn="tl" rotWithShape="0">
+              <a:srgbClr val="000000">
+                <a:alpha val="43000"/>
+              </a:srgbClr>
+            </a:outerShdw>
+          </a:effectLst>
+        </p:spPr>
+      </p:pic>
+    </p:spTree>
+    <p:extLst>
+      <p:ext uri="{BB962C8B-B14F-4D97-AF65-F5344CB8AC3E}">
+        <p14:creationId xmlns:p14="http://schemas.microsoft.com/office/powerpoint/2010/main" val="1746117804"/>
+      </p:ext>
+    </p:extLst>
+  </p:cSld>
+  <p:clrMapOvr>
+    <a:masterClrMapping/>
+  </p:clrMapOvr>
+</p:sld>
+</file>
+
+<file path=ppt/slides/slide2.xml><?xml version="1.0" encoding="utf-8"?>
+<p:sld xmlns:a="http://schemas.openxmlformats.org/drawingml/2006/main" xmlns:r="http://schemas.openxmlformats.org/officeDocument/2006/relationships" xmlns:p="http://schemas.openxmlformats.org/presentationml/2006/main">
+  <p:cSld>
+    <p:spTree>
+      <p:nvGrpSpPr>
+        <p:cNvPr id="1" name=""/>
+        <p:cNvGrpSpPr/>
+        <p:nvPr/>
+      </p:nvGrpSpPr>
+      <p:grpSpPr>
+        <a:xfrm>
+          <a:off x="0" y="0"/>
+          <a:ext cx="0" cy="0"/>
+          <a:chOff x="0" y="0"/>
+          <a:chExt cx="0" cy="0"/>
+        </a:xfrm>
+      </p:grpSpPr>
+      <p:sp>
+        <p:nvSpPr>
+          <p:cNvPr id="9" name="Textfeld 8">
+            <a:extLst>
+              <a:ext uri="{FF2B5EF4-FFF2-40B4-BE49-F238E27FC236}">
+                <a16:creationId xmlns:a16="http://schemas.microsoft.com/office/drawing/2014/main" id="{2BFED1E2-30B8-4BFC-BD72-3E315DA94D6D}"/>
+              </a:ext>
+            </a:extLst>
+          </p:cNvPr>
+          <p:cNvSpPr txBox="1"/>
+          <p:nvPr/>
+        </p:nvSpPr>
+        <p:spPr>
+          <a:xfrm>
+            <a:off x="890863" y="701383"/>
+            <a:ext cx="9406742" cy="880241"/>
+          </a:xfrm>
+          <a:prstGeom prst="rect">
+            <a:avLst/>
+          </a:prstGeom>
+          <a:noFill/>
+        </p:spPr>
+        <p:txBody>
+          <a:bodyPr wrap="none" rtlCol="0">
+            <a:spAutoFit/>
+          </a:bodyPr>
+          <a:lstStyle/>
+          <a:p>
+            <a:r>
+              <a:rPr lang="de-DE" sz="5120" dirty="0"/>
+              <a:t>Responsive and easy to start </a:t>
             </a:r>
           </a:p>
         </p:txBody>
@@ -5427,12 +5543,63 @@
               </a:ext>
             </a:extLst>
           </a:blip>
-          <a:srcRect l="24667" r="24667"/>
+          <a:srcRect t="56" b="70582"/>
           <a:stretch/>
         </p:blipFill>
         <p:spPr>
           <a:xfrm>
-            <a:off x="5220498" y="2005817"/>
+            <a:off x="3024081" y="2005552"/>
+            <a:ext cx="2570153" cy="4608000"/>
+          </a:xfrm>
+          <a:prstGeom prst="round2DiagRect">
+            <a:avLst>
+              <a:gd name="adj1" fmla="val 16667"/>
+              <a:gd name="adj2" fmla="val 0"/>
+            </a:avLst>
+          </a:prstGeom>
+          <a:ln w="88900" cap="sq">
+            <a:solidFill>
+              <a:srgbClr val="FFFFFF"/>
+            </a:solidFill>
+            <a:miter lim="800000"/>
+          </a:ln>
+          <a:effectLst>
+            <a:outerShdw blurRad="254000" algn="tl" rotWithShape="0">
+              <a:srgbClr val="000000">
+                <a:alpha val="43000"/>
+              </a:srgbClr>
+            </a:outerShdw>
+          </a:effectLst>
+        </p:spPr>
+      </p:pic>
+      <p:pic>
+        <p:nvPicPr>
+          <p:cNvPr id="3" name="Grafik 2">
+            <a:extLst>
+              <a:ext uri="{FF2B5EF4-FFF2-40B4-BE49-F238E27FC236}">
+                <a16:creationId xmlns:a16="http://schemas.microsoft.com/office/drawing/2014/main" id="{3146B510-377A-6272-E658-31EC767F7CF4}"/>
+              </a:ext>
+            </a:extLst>
+          </p:cNvPr>
+          <p:cNvPicPr>
+            <a:picLocks noChangeAspect="1"/>
+          </p:cNvPicPr>
+          <p:nvPr/>
+        </p:nvPicPr>
+        <p:blipFill>
+          <a:blip r:embed="rId3">
+            <a:extLst>
+              <a:ext uri="{28A0092B-C50C-407E-A947-70E740481C1C}">
+                <a14:useLocalDpi xmlns:a14="http://schemas.microsoft.com/office/drawing/2010/main" val="0"/>
+              </a:ext>
+            </a:extLst>
+          </a:blip>
+          <a:srcRect t="265" b="16875"/>
+          <a:stretch/>
+        </p:blipFill>
+        <p:spPr>
+          <a:xfrm>
+            <a:off x="6688514" y="2005817"/>
             <a:ext cx="2570153" cy="4608000"/>
           </a:xfrm>
           <a:prstGeom prst="round2DiagRect">
@@ -5469,7 +5636,7 @@
 </p:sld>
 </file>
 
-<file path=ppt/slides/slide2.xml><?xml version="1.0" encoding="utf-8"?>
+<file path=ppt/slides/slide3.xml><?xml version="1.0" encoding="utf-8"?>
 <p:sld xmlns:a="http://schemas.openxmlformats.org/drawingml/2006/main" xmlns:r="http://schemas.openxmlformats.org/officeDocument/2006/relationships" xmlns:p="http://schemas.openxmlformats.org/presentationml/2006/main">
   <p:cSld>
     <p:spTree>
@@ -5501,7 +5668,7 @@
         <p:spPr>
           <a:xfrm>
             <a:off x="890863" y="701383"/>
-            <a:ext cx="4307589" cy="880241"/>
+            <a:ext cx="8234947" cy="880241"/>
           </a:xfrm>
           <a:prstGeom prst="rect">
             <a:avLst/>
@@ -5516,7 +5683,7 @@
           <a:p>
             <a:r>
               <a:rPr lang="de-DE" sz="5120" dirty="0"/>
-              <a:t>Single Image</a:t>
+              <a:t>Precise recommendation</a:t>
             </a:r>
           </a:p>
         </p:txBody>
@@ -5543,123 +5710,7 @@
               </a:ext>
             </a:extLst>
           </a:blip>
-          <a:srcRect t="18552" b="18552"/>
-          <a:stretch/>
-        </p:blipFill>
-        <p:spPr>
-          <a:xfrm>
-            <a:off x="2472900" y="2005818"/>
-            <a:ext cx="8065350" cy="4607999"/>
-          </a:xfrm>
-          <a:prstGeom prst="round2DiagRect">
-            <a:avLst>
-              <a:gd name="adj1" fmla="val 16667"/>
-              <a:gd name="adj2" fmla="val 0"/>
-            </a:avLst>
-          </a:prstGeom>
-          <a:ln w="88900" cap="sq">
-            <a:solidFill>
-              <a:srgbClr val="FFFFFF"/>
-            </a:solidFill>
-            <a:miter lim="800000"/>
-          </a:ln>
-          <a:effectLst>
-            <a:outerShdw blurRad="254000" algn="tl" rotWithShape="0">
-              <a:srgbClr val="000000">
-                <a:alpha val="43000"/>
-              </a:srgbClr>
-            </a:outerShdw>
-          </a:effectLst>
-        </p:spPr>
-      </p:pic>
-    </p:spTree>
-    <p:extLst>
-      <p:ext uri="{BB962C8B-B14F-4D97-AF65-F5344CB8AC3E}">
-        <p14:creationId xmlns:p14="http://schemas.microsoft.com/office/powerpoint/2010/main" val="1746117804"/>
-      </p:ext>
-    </p:extLst>
-  </p:cSld>
-  <p:clrMapOvr>
-    <a:masterClrMapping/>
-  </p:clrMapOvr>
-</p:sld>
-</file>
-
-<file path=ppt/slides/slide3.xml><?xml version="1.0" encoding="utf-8"?>
-<p:sld xmlns:a="http://schemas.openxmlformats.org/drawingml/2006/main" xmlns:r="http://schemas.openxmlformats.org/officeDocument/2006/relationships" xmlns:p="http://schemas.openxmlformats.org/presentationml/2006/main">
-  <p:cSld>
-    <p:spTree>
-      <p:nvGrpSpPr>
-        <p:cNvPr id="1" name=""/>
-        <p:cNvGrpSpPr/>
-        <p:nvPr/>
-      </p:nvGrpSpPr>
-      <p:grpSpPr>
-        <a:xfrm>
-          <a:off x="0" y="0"/>
-          <a:ext cx="0" cy="0"/>
-          <a:chOff x="0" y="0"/>
-          <a:chExt cx="0" cy="0"/>
-        </a:xfrm>
-      </p:grpSpPr>
-      <p:sp>
-        <p:nvSpPr>
-          <p:cNvPr id="9" name="Textfeld 8">
-            <a:extLst>
-              <a:ext uri="{FF2B5EF4-FFF2-40B4-BE49-F238E27FC236}">
-                <a16:creationId xmlns:a16="http://schemas.microsoft.com/office/drawing/2014/main" id="{2BFED1E2-30B8-4BFC-BD72-3E315DA94D6D}"/>
-              </a:ext>
-            </a:extLst>
-          </p:cNvPr>
-          <p:cNvSpPr txBox="1"/>
-          <p:nvPr/>
-        </p:nvSpPr>
-        <p:spPr>
-          <a:xfrm>
-            <a:off x="890863" y="701383"/>
-            <a:ext cx="4770858" cy="880241"/>
-          </a:xfrm>
-          <a:prstGeom prst="rect">
-            <a:avLst/>
-          </a:prstGeom>
-          <a:noFill/>
-        </p:spPr>
-        <p:txBody>
-          <a:bodyPr wrap="none" rtlCol="0">
-            <a:spAutoFit/>
-          </a:bodyPr>
-          <a:lstStyle/>
-          <a:p>
-            <a:r>
-              <a:rPr lang="de-DE" sz="5120" dirty="0"/>
-              <a:t>Double Image</a:t>
-            </a:r>
-          </a:p>
-        </p:txBody>
-      </p:sp>
-      <p:pic>
-        <p:nvPicPr>
-          <p:cNvPr id="10" name="Grafik 9">
-            <a:extLst>
-              <a:ext uri="{FF2B5EF4-FFF2-40B4-BE49-F238E27FC236}">
-                <a16:creationId xmlns:a16="http://schemas.microsoft.com/office/drawing/2014/main" id="{C69D2BB9-9902-4624-9AB6-6F45406EE7CE}"/>
-              </a:ext>
-            </a:extLst>
-          </p:cNvPr>
-          <p:cNvPicPr>
-            <a:picLocks noChangeAspect="1"/>
-          </p:cNvPicPr>
-          <p:nvPr/>
-        </p:nvPicPr>
-        <p:blipFill>
-          <a:blip r:embed="rId2">
-            <a:extLst>
-              <a:ext uri="{28A0092B-C50C-407E-A947-70E740481C1C}">
-                <a14:useLocalDpi xmlns:a14="http://schemas.microsoft.com/office/drawing/2010/main" val="0"/>
-              </a:ext>
-            </a:extLst>
-          </a:blip>
-          <a:srcRect t="18552" b="18552"/>
+          <a:srcRect l="285" t="574" r="464" b="17179"/>
           <a:stretch/>
         </p:blipFill>
         <p:spPr>
@@ -5703,14 +5754,14 @@
           <p:nvPr/>
         </p:nvPicPr>
         <p:blipFill>
-          <a:blip r:embed="rId2">
+          <a:blip r:embed="rId3">
             <a:extLst>
               <a:ext uri="{28A0092B-C50C-407E-A947-70E740481C1C}">
                 <a14:useLocalDpi xmlns:a14="http://schemas.microsoft.com/office/drawing/2010/main" val="0"/>
               </a:ext>
             </a:extLst>
           </a:blip>
-          <a:srcRect t="18552" b="18552"/>
+          <a:srcRect l="285" t="17740" r="483" b="14"/>
           <a:stretch/>
         </p:blipFill>
         <p:spPr>
